--- a/chinavis2022_survey/Images/tabular text data.pptx
+++ b/chinavis2022_survey/Images/tabular text data.pptx
@@ -104,6 +104,11 @@
       </a:defRPr>
     </a:lvl9pPr>
   </p:defaultTextStyle>
+  <p:extLst>
+    <p:ext uri="{EFAFB233-063F-42B5-8137-9DF3F51BA10A}">
+      <p15:sldGuideLst xmlns:p15="http://schemas.microsoft.com/office/powerpoint/2012/main"/>
+    </p:ext>
+  </p:extLst>
 </p:presentation>
 </file>
 
@@ -238,7 +243,7 @@
           <a:p>
             <a:fld id="{FDE13549-9469-4926-949A-1F4933A10154}" type="datetimeFigureOut">
               <a:rPr lang="zh-CN" altLang="en-US" smtClean="0"/>
-              <a:t>2022/5/9</a:t>
+              <a:t>2022/5/14</a:t>
             </a:fld>
             <a:endParaRPr lang="zh-CN" altLang="en-US"/>
           </a:p>
@@ -408,7 +413,7 @@
           <a:p>
             <a:fld id="{FDE13549-9469-4926-949A-1F4933A10154}" type="datetimeFigureOut">
               <a:rPr lang="zh-CN" altLang="en-US" smtClean="0"/>
-              <a:t>2022/5/9</a:t>
+              <a:t>2022/5/14</a:t>
             </a:fld>
             <a:endParaRPr lang="zh-CN" altLang="en-US"/>
           </a:p>
@@ -588,7 +593,7 @@
           <a:p>
             <a:fld id="{FDE13549-9469-4926-949A-1F4933A10154}" type="datetimeFigureOut">
               <a:rPr lang="zh-CN" altLang="en-US" smtClean="0"/>
-              <a:t>2022/5/9</a:t>
+              <a:t>2022/5/14</a:t>
             </a:fld>
             <a:endParaRPr lang="zh-CN" altLang="en-US"/>
           </a:p>
@@ -758,7 +763,7 @@
           <a:p>
             <a:fld id="{FDE13549-9469-4926-949A-1F4933A10154}" type="datetimeFigureOut">
               <a:rPr lang="zh-CN" altLang="en-US" smtClean="0"/>
-              <a:t>2022/5/9</a:t>
+              <a:t>2022/5/14</a:t>
             </a:fld>
             <a:endParaRPr lang="zh-CN" altLang="en-US"/>
           </a:p>
@@ -1004,7 +1009,7 @@
           <a:p>
             <a:fld id="{FDE13549-9469-4926-949A-1F4933A10154}" type="datetimeFigureOut">
               <a:rPr lang="zh-CN" altLang="en-US" smtClean="0"/>
-              <a:t>2022/5/9</a:t>
+              <a:t>2022/5/14</a:t>
             </a:fld>
             <a:endParaRPr lang="zh-CN" altLang="en-US"/>
           </a:p>
@@ -1236,7 +1241,7 @@
           <a:p>
             <a:fld id="{FDE13549-9469-4926-949A-1F4933A10154}" type="datetimeFigureOut">
               <a:rPr lang="zh-CN" altLang="en-US" smtClean="0"/>
-              <a:t>2022/5/9</a:t>
+              <a:t>2022/5/14</a:t>
             </a:fld>
             <a:endParaRPr lang="zh-CN" altLang="en-US"/>
           </a:p>
@@ -1603,7 +1608,7 @@
           <a:p>
             <a:fld id="{FDE13549-9469-4926-949A-1F4933A10154}" type="datetimeFigureOut">
               <a:rPr lang="zh-CN" altLang="en-US" smtClean="0"/>
-              <a:t>2022/5/9</a:t>
+              <a:t>2022/5/14</a:t>
             </a:fld>
             <a:endParaRPr lang="zh-CN" altLang="en-US"/>
           </a:p>
@@ -1721,7 +1726,7 @@
           <a:p>
             <a:fld id="{FDE13549-9469-4926-949A-1F4933A10154}" type="datetimeFigureOut">
               <a:rPr lang="zh-CN" altLang="en-US" smtClean="0"/>
-              <a:t>2022/5/9</a:t>
+              <a:t>2022/5/14</a:t>
             </a:fld>
             <a:endParaRPr lang="zh-CN" altLang="en-US"/>
           </a:p>
@@ -1816,7 +1821,7 @@
           <a:p>
             <a:fld id="{FDE13549-9469-4926-949A-1F4933A10154}" type="datetimeFigureOut">
               <a:rPr lang="zh-CN" altLang="en-US" smtClean="0"/>
-              <a:t>2022/5/9</a:t>
+              <a:t>2022/5/14</a:t>
             </a:fld>
             <a:endParaRPr lang="zh-CN" altLang="en-US"/>
           </a:p>
@@ -2093,7 +2098,7 @@
           <a:p>
             <a:fld id="{FDE13549-9469-4926-949A-1F4933A10154}" type="datetimeFigureOut">
               <a:rPr lang="zh-CN" altLang="en-US" smtClean="0"/>
-              <a:t>2022/5/9</a:t>
+              <a:t>2022/5/14</a:t>
             </a:fld>
             <a:endParaRPr lang="zh-CN" altLang="en-US"/>
           </a:p>
@@ -2350,7 +2355,7 @@
           <a:p>
             <a:fld id="{FDE13549-9469-4926-949A-1F4933A10154}" type="datetimeFigureOut">
               <a:rPr lang="zh-CN" altLang="en-US" smtClean="0"/>
-              <a:t>2022/5/9</a:t>
+              <a:t>2022/5/14</a:t>
             </a:fld>
             <a:endParaRPr lang="zh-CN" altLang="en-US"/>
           </a:p>
@@ -2563,7 +2568,7 @@
           <a:p>
             <a:fld id="{FDE13549-9469-4926-949A-1F4933A10154}" type="datetimeFigureOut">
               <a:rPr lang="zh-CN" altLang="en-US" smtClean="0"/>
-              <a:t>2022/5/9</a:t>
+              <a:t>2022/5/14</a:t>
             </a:fld>
             <a:endParaRPr lang="zh-CN" altLang="en-US"/>
           </a:p>
@@ -2997,8 +3002,8 @@
         </p:blipFill>
         <p:spPr bwMode="auto">
           <a:xfrm>
-            <a:off x="239641" y="2561134"/>
-            <a:ext cx="3688025" cy="2151846"/>
+            <a:off x="174347" y="2523037"/>
+            <a:ext cx="3804075" cy="2219558"/>
           </a:xfrm>
           <a:prstGeom prst="rect">
             <a:avLst/>
@@ -3063,7 +3068,7 @@
           <a:lstStyle/>
           <a:p>
             <a:pPr algn="ctr"/>
-            <a:endParaRPr lang="zh-CN" altLang="en-US"/>
+            <a:endParaRPr lang="zh-CN" altLang="en-US" dirty="0"/>
           </a:p>
         </p:txBody>
       </p:sp>
@@ -3096,8 +3101,8 @@
         </p:blipFill>
         <p:spPr bwMode="auto">
           <a:xfrm>
-            <a:off x="217246" y="219155"/>
-            <a:ext cx="2642488" cy="2151847"/>
+            <a:off x="146075" y="215267"/>
+            <a:ext cx="2713660" cy="2209804"/>
           </a:xfrm>
           <a:prstGeom prst="rect">
             <a:avLst/>
@@ -3136,8 +3141,8 @@
         </p:blipFill>
         <p:spPr>
           <a:xfrm>
-            <a:off x="3021586" y="215266"/>
-            <a:ext cx="4959359" cy="2155736"/>
+            <a:off x="2969309" y="215266"/>
+            <a:ext cx="5081352" cy="2208764"/>
           </a:xfrm>
           <a:prstGeom prst="rect">
             <a:avLst/>
@@ -3173,8 +3178,8 @@
         </p:blipFill>
         <p:spPr bwMode="auto">
           <a:xfrm>
-            <a:off x="4171206" y="2557244"/>
-            <a:ext cx="4559640" cy="2155736"/>
+            <a:off x="4107266" y="2514175"/>
+            <a:ext cx="4694251" cy="2219378"/>
           </a:xfrm>
           <a:prstGeom prst="rect">
             <a:avLst/>
@@ -3213,8 +3218,8 @@
         </p:blipFill>
         <p:spPr>
           <a:xfrm>
-            <a:off x="8192555" y="215266"/>
-            <a:ext cx="3851255" cy="2151379"/>
+            <a:off x="8129381" y="221128"/>
+            <a:ext cx="3920291" cy="2189944"/>
           </a:xfrm>
           <a:prstGeom prst="rect">
             <a:avLst/>
@@ -3487,10 +3492,10 @@
       </p:cxnSp>
       <p:sp>
         <p:nvSpPr>
-          <p:cNvPr id="11" name="椭圆 10">
+          <p:cNvPr id="2" name="矩形 1">
             <a:extLst>
               <a:ext uri="{FF2B5EF4-FFF2-40B4-BE49-F238E27FC236}">
-                <a16:creationId xmlns:a16="http://schemas.microsoft.com/office/drawing/2014/main" id="{BA0D0BC3-E867-49C9-BE66-48786309B171}"/>
+                <a16:creationId xmlns:a16="http://schemas.microsoft.com/office/drawing/2014/main" id="{7DBB5DAF-14E3-9775-7A0B-4AD2A880F452}"/>
               </a:ext>
             </a:extLst>
           </p:cNvPr>
@@ -3499,10 +3504,10 @@
         </p:nvSpPr>
         <p:spPr>
           <a:xfrm>
-            <a:off x="217246" y="1998786"/>
-            <a:ext cx="393401" cy="393401"/>
+            <a:off x="123687" y="2064680"/>
+            <a:ext cx="393402" cy="393402"/>
           </a:xfrm>
-          <a:prstGeom prst="ellipse">
+          <a:prstGeom prst="rect">
             <a:avLst/>
           </a:prstGeom>
           <a:solidFill>
@@ -3536,27 +3541,31 @@
           <a:p>
             <a:pPr algn="ctr"/>
             <a:r>
-              <a:rPr lang="en-US" altLang="zh-CN" sz="3200" dirty="0">
+              <a:rPr lang="en-US" altLang="zh-CN" sz="2800" dirty="0">
                 <a:solidFill>
                   <a:schemeClr val="tx1"/>
                 </a:solidFill>
+                <a:latin typeface="Times New Roman" panose="02020603050405020304" pitchFamily="18" charset="0"/>
+                <a:cs typeface="Times New Roman" panose="02020603050405020304" pitchFamily="18" charset="0"/>
               </a:rPr>
               <a:t>1</a:t>
             </a:r>
-            <a:endParaRPr lang="zh-CN" altLang="en-US" sz="3200" dirty="0">
+            <a:endParaRPr lang="zh-CN" altLang="en-US" sz="2800" dirty="0">
               <a:solidFill>
                 <a:schemeClr val="tx1"/>
               </a:solidFill>
+              <a:latin typeface="Times New Roman" panose="02020603050405020304" pitchFamily="18" charset="0"/>
+              <a:cs typeface="Times New Roman" panose="02020603050405020304" pitchFamily="18" charset="0"/>
             </a:endParaRPr>
           </a:p>
         </p:txBody>
       </p:sp>
       <p:sp>
         <p:nvSpPr>
-          <p:cNvPr id="20" name="椭圆 19">
+          <p:cNvPr id="25" name="矩形 24">
             <a:extLst>
               <a:ext uri="{FF2B5EF4-FFF2-40B4-BE49-F238E27FC236}">
-                <a16:creationId xmlns:a16="http://schemas.microsoft.com/office/drawing/2014/main" id="{77D8F1E7-1585-7285-ADD1-276EEDED024F}"/>
+                <a16:creationId xmlns:a16="http://schemas.microsoft.com/office/drawing/2014/main" id="{ADCC89A1-358B-981F-411D-7B01E3B1480F}"/>
               </a:ext>
             </a:extLst>
           </p:cNvPr>
@@ -3565,10 +3574,10 @@
         </p:nvSpPr>
         <p:spPr>
           <a:xfrm>
-            <a:off x="3014280" y="1993572"/>
-            <a:ext cx="393401" cy="393401"/>
+            <a:off x="2913683" y="2064680"/>
+            <a:ext cx="393402" cy="393402"/>
           </a:xfrm>
-          <a:prstGeom prst="ellipse">
+          <a:prstGeom prst="rect">
             <a:avLst/>
           </a:prstGeom>
           <a:solidFill>
@@ -3602,27 +3611,31 @@
           <a:p>
             <a:pPr algn="ctr"/>
             <a:r>
-              <a:rPr lang="en-US" altLang="zh-CN" sz="3200" dirty="0">
+              <a:rPr lang="en-US" altLang="zh-CN" sz="2800" dirty="0">
                 <a:solidFill>
                   <a:schemeClr val="tx1"/>
                 </a:solidFill>
+                <a:latin typeface="Times New Roman" panose="02020603050405020304" pitchFamily="18" charset="0"/>
+                <a:cs typeface="Times New Roman" panose="02020603050405020304" pitchFamily="18" charset="0"/>
               </a:rPr>
               <a:t>2</a:t>
             </a:r>
-            <a:endParaRPr lang="zh-CN" altLang="en-US" sz="3200" dirty="0">
+            <a:endParaRPr lang="zh-CN" altLang="en-US" sz="2800" dirty="0">
               <a:solidFill>
                 <a:schemeClr val="tx1"/>
               </a:solidFill>
+              <a:latin typeface="Times New Roman" panose="02020603050405020304" pitchFamily="18" charset="0"/>
+              <a:cs typeface="Times New Roman" panose="02020603050405020304" pitchFamily="18" charset="0"/>
             </a:endParaRPr>
           </a:p>
         </p:txBody>
       </p:sp>
       <p:sp>
         <p:nvSpPr>
-          <p:cNvPr id="21" name="椭圆 20">
+          <p:cNvPr id="26" name="矩形 25">
             <a:extLst>
               <a:ext uri="{FF2B5EF4-FFF2-40B4-BE49-F238E27FC236}">
-                <a16:creationId xmlns:a16="http://schemas.microsoft.com/office/drawing/2014/main" id="{5A952122-F9D9-11E0-5A95-23A1A76F4344}"/>
+                <a16:creationId xmlns:a16="http://schemas.microsoft.com/office/drawing/2014/main" id="{6A20950E-3736-292D-6D97-93CE3E423400}"/>
               </a:ext>
             </a:extLst>
           </p:cNvPr>
@@ -3631,10 +3644,10 @@
         </p:nvSpPr>
         <p:spPr>
           <a:xfrm>
-            <a:off x="8204599" y="1993571"/>
-            <a:ext cx="393401" cy="393401"/>
+            <a:off x="117391" y="4378122"/>
+            <a:ext cx="393402" cy="393402"/>
           </a:xfrm>
-          <a:prstGeom prst="ellipse">
+          <a:prstGeom prst="rect">
             <a:avLst/>
           </a:prstGeom>
           <a:solidFill>
@@ -3668,27 +3681,31 @@
           <a:p>
             <a:pPr algn="ctr"/>
             <a:r>
-              <a:rPr lang="en-US" altLang="zh-CN" sz="3200" dirty="0">
+              <a:rPr lang="en-US" altLang="zh-CN" sz="2800" dirty="0">
                 <a:solidFill>
                   <a:schemeClr val="tx1"/>
                 </a:solidFill>
+                <a:latin typeface="Times New Roman" panose="02020603050405020304" pitchFamily="18" charset="0"/>
+                <a:cs typeface="Times New Roman" panose="02020603050405020304" pitchFamily="18" charset="0"/>
               </a:rPr>
-              <a:t>3</a:t>
-            </a:r>
-            <a:endParaRPr lang="zh-CN" altLang="en-US" sz="3200" dirty="0">
+              <a:t>4</a:t>
+            </a:r>
+            <a:endParaRPr lang="zh-CN" altLang="en-US" sz="2800" dirty="0">
               <a:solidFill>
                 <a:schemeClr val="tx1"/>
               </a:solidFill>
+              <a:latin typeface="Times New Roman" panose="02020603050405020304" pitchFamily="18" charset="0"/>
+              <a:cs typeface="Times New Roman" panose="02020603050405020304" pitchFamily="18" charset="0"/>
             </a:endParaRPr>
           </a:p>
         </p:txBody>
       </p:sp>
       <p:sp>
         <p:nvSpPr>
-          <p:cNvPr id="22" name="椭圆 21">
+          <p:cNvPr id="27" name="矩形 26">
             <a:extLst>
               <a:ext uri="{FF2B5EF4-FFF2-40B4-BE49-F238E27FC236}">
-                <a16:creationId xmlns:a16="http://schemas.microsoft.com/office/drawing/2014/main" id="{C7AE1B26-C0AE-DDFB-AD94-F21F5F123EA9}"/>
+                <a16:creationId xmlns:a16="http://schemas.microsoft.com/office/drawing/2014/main" id="{48541D9A-7833-B042-BFD8-475D5E26B66B}"/>
               </a:ext>
             </a:extLst>
           </p:cNvPr>
@@ -3697,10 +3714,10 @@
         </p:nvSpPr>
         <p:spPr>
           <a:xfrm>
-            <a:off x="216747" y="4292847"/>
-            <a:ext cx="393401" cy="393401"/>
+            <a:off x="4062588" y="4372084"/>
+            <a:ext cx="393402" cy="393402"/>
           </a:xfrm>
-          <a:prstGeom prst="ellipse">
+          <a:prstGeom prst="rect">
             <a:avLst/>
           </a:prstGeom>
           <a:solidFill>
@@ -3734,27 +3751,31 @@
           <a:p>
             <a:pPr algn="ctr"/>
             <a:r>
-              <a:rPr lang="en-US" altLang="zh-CN" sz="3200" dirty="0">
+              <a:rPr lang="en-US" altLang="zh-CN" sz="2800" dirty="0">
                 <a:solidFill>
                   <a:schemeClr val="tx1"/>
                 </a:solidFill>
+                <a:latin typeface="Times New Roman" panose="02020603050405020304" pitchFamily="18" charset="0"/>
+                <a:cs typeface="Times New Roman" panose="02020603050405020304" pitchFamily="18" charset="0"/>
               </a:rPr>
-              <a:t>4</a:t>
-            </a:r>
-            <a:endParaRPr lang="zh-CN" altLang="en-US" sz="3200" dirty="0">
+              <a:t>5</a:t>
+            </a:r>
+            <a:endParaRPr lang="zh-CN" altLang="en-US" sz="2800" dirty="0">
               <a:solidFill>
                 <a:schemeClr val="tx1"/>
               </a:solidFill>
+              <a:latin typeface="Times New Roman" panose="02020603050405020304" pitchFamily="18" charset="0"/>
+              <a:cs typeface="Times New Roman" panose="02020603050405020304" pitchFamily="18" charset="0"/>
             </a:endParaRPr>
           </a:p>
         </p:txBody>
       </p:sp>
       <p:sp>
         <p:nvSpPr>
-          <p:cNvPr id="23" name="椭圆 22">
+          <p:cNvPr id="28" name="矩形 27">
             <a:extLst>
               <a:ext uri="{FF2B5EF4-FFF2-40B4-BE49-F238E27FC236}">
-                <a16:creationId xmlns:a16="http://schemas.microsoft.com/office/drawing/2014/main" id="{25081279-4CAA-38D9-09A0-9C52F66CCE47}"/>
+                <a16:creationId xmlns:a16="http://schemas.microsoft.com/office/drawing/2014/main" id="{3436C65A-5A57-B921-B3A9-385EC06E315E}"/>
               </a:ext>
             </a:extLst>
           </p:cNvPr>
@@ -3763,10 +3784,10 @@
         </p:nvSpPr>
         <p:spPr>
           <a:xfrm>
-            <a:off x="4186655" y="4294460"/>
-            <a:ext cx="393401" cy="393401"/>
+            <a:off x="8100578" y="2064680"/>
+            <a:ext cx="393402" cy="393402"/>
           </a:xfrm>
-          <a:prstGeom prst="ellipse">
+          <a:prstGeom prst="rect">
             <a:avLst/>
           </a:prstGeom>
           <a:solidFill>
@@ -3800,27 +3821,31 @@
           <a:p>
             <a:pPr algn="ctr"/>
             <a:r>
-              <a:rPr lang="en-US" altLang="zh-CN" sz="3200" dirty="0">
+              <a:rPr lang="en-US" altLang="zh-CN" sz="2800" dirty="0">
                 <a:solidFill>
                   <a:schemeClr val="tx1"/>
                 </a:solidFill>
+                <a:latin typeface="Times New Roman" panose="02020603050405020304" pitchFamily="18" charset="0"/>
+                <a:cs typeface="Times New Roman" panose="02020603050405020304" pitchFamily="18" charset="0"/>
               </a:rPr>
-              <a:t>5</a:t>
-            </a:r>
-            <a:endParaRPr lang="zh-CN" altLang="en-US" sz="3200" dirty="0">
+              <a:t>3</a:t>
+            </a:r>
+            <a:endParaRPr lang="zh-CN" altLang="en-US" sz="2800" dirty="0">
               <a:solidFill>
                 <a:schemeClr val="tx1"/>
               </a:solidFill>
+              <a:latin typeface="Times New Roman" panose="02020603050405020304" pitchFamily="18" charset="0"/>
+              <a:cs typeface="Times New Roman" panose="02020603050405020304" pitchFamily="18" charset="0"/>
             </a:endParaRPr>
           </a:p>
         </p:txBody>
       </p:sp>
       <p:sp>
         <p:nvSpPr>
-          <p:cNvPr id="24" name="椭圆 23">
+          <p:cNvPr id="29" name="矩形 28">
             <a:extLst>
               <a:ext uri="{FF2B5EF4-FFF2-40B4-BE49-F238E27FC236}">
-                <a16:creationId xmlns:a16="http://schemas.microsoft.com/office/drawing/2014/main" id="{9FE8AA58-05CB-A8AC-3F18-057C86CEDE83}"/>
+                <a16:creationId xmlns:a16="http://schemas.microsoft.com/office/drawing/2014/main" id="{4A71C72E-D30C-16FD-090A-7E61AAA598EF}"/>
               </a:ext>
             </a:extLst>
           </p:cNvPr>
@@ -3829,10 +3854,10 @@
         </p:nvSpPr>
         <p:spPr>
           <a:xfrm>
-            <a:off x="8975347" y="4292846"/>
-            <a:ext cx="393401" cy="393401"/>
+            <a:off x="8858958" y="4372084"/>
+            <a:ext cx="393402" cy="393402"/>
           </a:xfrm>
-          <a:prstGeom prst="ellipse">
+          <a:prstGeom prst="rect">
             <a:avLst/>
           </a:prstGeom>
           <a:solidFill>
@@ -3866,17 +3891,21 @@
           <a:p>
             <a:pPr algn="ctr"/>
             <a:r>
-              <a:rPr lang="en-US" altLang="zh-CN" sz="3200" dirty="0">
+              <a:rPr lang="en-US" altLang="zh-CN" sz="2800">
                 <a:solidFill>
                   <a:schemeClr val="tx1"/>
                 </a:solidFill>
+                <a:latin typeface="Times New Roman" panose="02020603050405020304" pitchFamily="18" charset="0"/>
+                <a:cs typeface="Times New Roman" panose="02020603050405020304" pitchFamily="18" charset="0"/>
               </a:rPr>
               <a:t>6</a:t>
             </a:r>
-            <a:endParaRPr lang="zh-CN" altLang="en-US" sz="3200" dirty="0">
+            <a:endParaRPr lang="zh-CN" altLang="en-US" sz="2800" dirty="0">
               <a:solidFill>
                 <a:schemeClr val="tx1"/>
               </a:solidFill>
+              <a:latin typeface="Times New Roman" panose="02020603050405020304" pitchFamily="18" charset="0"/>
+              <a:cs typeface="Times New Roman" panose="02020603050405020304" pitchFamily="18" charset="0"/>
             </a:endParaRPr>
           </a:p>
         </p:txBody>
